--- a/Daily Agendas/Day1.2_DidYouCatchIt.pptx
+++ b/Daily Agendas/Day1.2_DidYouCatchIt.pptx
@@ -7,6 +7,7 @@
   <p:sldIdLst>
     <p:sldId id="258" r:id="rId2"/>
     <p:sldId id="256" r:id="rId3"/>
+    <p:sldId id="259" r:id="rId4"/>
   </p:sldIdLst>
   <p:sldSz cx="9144000" cy="6858000" type="screen4x3"/>
   <p:notesSz cx="6858000" cy="9144000"/>
@@ -304,7 +305,7 @@
             <a:fld id="{1D8BD707-D9CF-40AE-B4C6-C98DA3205C09}" type="datetimeFigureOut">
               <a:rPr lang="en-US" smtClean="0"/>
               <a:pPr/>
-              <a:t>2/3/2020</a:t>
+              <a:t>2/4/2020</a:t>
             </a:fld>
             <a:endParaRPr lang="en-US"/>
           </a:p>
@@ -469,7 +470,7 @@
             <a:fld id="{1D8BD707-D9CF-40AE-B4C6-C98DA3205C09}" type="datetimeFigureOut">
               <a:rPr lang="en-US" smtClean="0"/>
               <a:pPr/>
-              <a:t>2/3/2020</a:t>
+              <a:t>2/4/2020</a:t>
             </a:fld>
             <a:endParaRPr lang="en-US"/>
           </a:p>
@@ -644,7 +645,7 @@
             <a:fld id="{1D8BD707-D9CF-40AE-B4C6-C98DA3205C09}" type="datetimeFigureOut">
               <a:rPr lang="en-US" smtClean="0"/>
               <a:pPr/>
-              <a:t>2/3/2020</a:t>
+              <a:t>2/4/2020</a:t>
             </a:fld>
             <a:endParaRPr lang="en-US"/>
           </a:p>
@@ -809,7 +810,7 @@
             <a:fld id="{1D8BD707-D9CF-40AE-B4C6-C98DA3205C09}" type="datetimeFigureOut">
               <a:rPr lang="en-US" smtClean="0"/>
               <a:pPr/>
-              <a:t>2/3/2020</a:t>
+              <a:t>2/4/2020</a:t>
             </a:fld>
             <a:endParaRPr lang="en-US"/>
           </a:p>
@@ -1051,7 +1052,7 @@
             <a:fld id="{1D8BD707-D9CF-40AE-B4C6-C98DA3205C09}" type="datetimeFigureOut">
               <a:rPr lang="en-US" smtClean="0"/>
               <a:pPr/>
-              <a:t>2/3/2020</a:t>
+              <a:t>2/4/2020</a:t>
             </a:fld>
             <a:endParaRPr lang="en-US"/>
           </a:p>
@@ -1333,7 +1334,7 @@
             <a:fld id="{1D8BD707-D9CF-40AE-B4C6-C98DA3205C09}" type="datetimeFigureOut">
               <a:rPr lang="en-US" smtClean="0"/>
               <a:pPr/>
-              <a:t>2/3/2020</a:t>
+              <a:t>2/4/2020</a:t>
             </a:fld>
             <a:endParaRPr lang="en-US"/>
           </a:p>
@@ -1749,7 +1750,7 @@
             <a:fld id="{1D8BD707-D9CF-40AE-B4C6-C98DA3205C09}" type="datetimeFigureOut">
               <a:rPr lang="en-US" smtClean="0"/>
               <a:pPr/>
-              <a:t>2/3/2020</a:t>
+              <a:t>2/4/2020</a:t>
             </a:fld>
             <a:endParaRPr lang="en-US"/>
           </a:p>
@@ -1863,7 +1864,7 @@
             <a:fld id="{1D8BD707-D9CF-40AE-B4C6-C98DA3205C09}" type="datetimeFigureOut">
               <a:rPr lang="en-US" smtClean="0"/>
               <a:pPr/>
-              <a:t>2/3/2020</a:t>
+              <a:t>2/4/2020</a:t>
             </a:fld>
             <a:endParaRPr lang="en-US"/>
           </a:p>
@@ -1955,7 +1956,7 @@
             <a:fld id="{1D8BD707-D9CF-40AE-B4C6-C98DA3205C09}" type="datetimeFigureOut">
               <a:rPr lang="en-US" smtClean="0"/>
               <a:pPr/>
-              <a:t>2/3/2020</a:t>
+              <a:t>2/4/2020</a:t>
             </a:fld>
             <a:endParaRPr lang="en-US"/>
           </a:p>
@@ -2227,7 +2228,7 @@
             <a:fld id="{1D8BD707-D9CF-40AE-B4C6-C98DA3205C09}" type="datetimeFigureOut">
               <a:rPr lang="en-US" smtClean="0"/>
               <a:pPr/>
-              <a:t>2/3/2020</a:t>
+              <a:t>2/4/2020</a:t>
             </a:fld>
             <a:endParaRPr lang="en-US"/>
           </a:p>
@@ -2476,7 +2477,7 @@
             <a:fld id="{1D8BD707-D9CF-40AE-B4C6-C98DA3205C09}" type="datetimeFigureOut">
               <a:rPr lang="en-US" smtClean="0"/>
               <a:pPr/>
-              <a:t>2/3/2020</a:t>
+              <a:t>2/4/2020</a:t>
             </a:fld>
             <a:endParaRPr lang="en-US"/>
           </a:p>
@@ -2684,7 +2685,7 @@
             <a:fld id="{1D8BD707-D9CF-40AE-B4C6-C98DA3205C09}" type="datetimeFigureOut">
               <a:rPr lang="en-US" smtClean="0"/>
               <a:pPr/>
-              <a:t>2/3/2020</a:t>
+              <a:t>2/4/2020</a:t>
             </a:fld>
             <a:endParaRPr lang="en-US"/>
           </a:p>
@@ -3185,11 +3186,7 @@
             </a:r>
             <a:r>
               <a:rPr lang="en-US" dirty="0" smtClean="0"/>
-              <a:t>Feb </a:t>
-            </a:r>
-            <a:r>
-              <a:rPr lang="en-US" dirty="0" smtClean="0"/>
-              <a:t>04</a:t>
+              <a:t>Feb 04</a:t>
             </a:r>
             <a:r>
               <a:rPr lang="en-US" dirty="0"/>
@@ -3200,11 +3197,7 @@
             </a:br>
             <a:r>
               <a:rPr lang="en-US" sz="3600" dirty="0" smtClean="0"/>
-              <a:t>(Measurement Skills Day </a:t>
-            </a:r>
-            <a:r>
-              <a:rPr lang="en-US" sz="3600" dirty="0" smtClean="0"/>
-              <a:t>02)</a:t>
+              <a:t>(Measurement Skills Day 02)</a:t>
             </a:r>
             <a:endParaRPr lang="en-US" sz="3600" dirty="0"/>
           </a:p>
@@ -3223,7 +3216,7 @@
         <p:spPr/>
         <p:txBody>
           <a:bodyPr>
-            <a:normAutofit fontScale="77500" lnSpcReduction="20000"/>
+            <a:normAutofit fontScale="85000" lnSpcReduction="20000"/>
           </a:bodyPr>
           <a:lstStyle/>
           <a:p>
@@ -3236,15 +3229,7 @@
             <a:pPr lvl="1"/>
             <a:r>
               <a:rPr lang="en-US" sz="2600" dirty="0" smtClean="0"/>
-              <a:t>Debrief: Did </a:t>
-            </a:r>
-            <a:r>
-              <a:rPr lang="en-US" sz="2600" dirty="0" smtClean="0"/>
-              <a:t>You Catch It </a:t>
-            </a:r>
-            <a:r>
-              <a:rPr lang="en-US" sz="2600" dirty="0" smtClean="0"/>
-              <a:t>Activity</a:t>
+              <a:t>Debrief: Did You Catch It Activity</a:t>
             </a:r>
           </a:p>
           <a:p>
@@ -3328,23 +3313,12 @@
           <a:p>
             <a:pPr lvl="1"/>
             <a:r>
+              <a:rPr lang="en-US" sz="2400" smtClean="0"/>
+              <a:t>Tomorrow, Wed</a:t>
+            </a:r>
+            <a:r>
               <a:rPr lang="en-US" sz="2400" dirty="0" smtClean="0"/>
-              <a:t>Tomorrow: Measurement Errors (</a:t>
-            </a:r>
-            <a:r>
-              <a:rPr lang="en-US" sz="2000" dirty="0" smtClean="0"/>
-              <a:t>Did You Catch it</a:t>
-            </a:r>
-            <a:r>
-              <a:rPr lang="en-US" sz="2400" dirty="0" smtClean="0"/>
-              <a:t>)</a:t>
-            </a:r>
-          </a:p>
-          <a:p>
-            <a:pPr lvl="1"/>
-            <a:r>
-              <a:rPr lang="en-US" sz="2400" dirty="0" smtClean="0"/>
-              <a:t>Wed. Feb 05: </a:t>
+              <a:t>. Feb 05: </a:t>
             </a:r>
             <a:r>
               <a:rPr lang="en-US" sz="2400" dirty="0"/>
@@ -3365,6 +3339,137 @@
       </p:par>
     </p:tnLst>
   </p:timing>
+</p:sld>
+</file>
+
+<file path=ppt/slides/slide3.xml><?xml version="1.0" encoding="utf-8"?>
+<p:sld xmlns:a="http://schemas.openxmlformats.org/drawingml/2006/main" xmlns:r="http://schemas.openxmlformats.org/officeDocument/2006/relationships" xmlns:p="http://schemas.openxmlformats.org/presentationml/2006/main">
+  <p:cSld>
+    <p:spTree>
+      <p:nvGrpSpPr>
+        <p:cNvPr id="1" name=""/>
+        <p:cNvGrpSpPr/>
+        <p:nvPr/>
+      </p:nvGrpSpPr>
+      <p:grpSpPr>
+        <a:xfrm>
+          <a:off x="0" y="0"/>
+          <a:ext cx="0" cy="0"/>
+          <a:chOff x="0" y="0"/>
+          <a:chExt cx="0" cy="0"/>
+        </a:xfrm>
+      </p:grpSpPr>
+      <p:sp>
+        <p:nvSpPr>
+          <p:cNvPr id="2" name="Title 1"/>
+          <p:cNvSpPr>
+            <a:spLocks noGrp="1"/>
+          </p:cNvSpPr>
+          <p:nvPr>
+            <p:ph type="title"/>
+          </p:nvPr>
+        </p:nvSpPr>
+        <p:spPr/>
+        <p:txBody>
+          <a:bodyPr/>
+          <a:lstStyle/>
+          <a:p>
+            <a:r>
+              <a:rPr lang="en-CA" dirty="0" smtClean="0"/>
+              <a:t>Tomorrow, Wed Feb 5</a:t>
+            </a:r>
+            <a:endParaRPr lang="en-US" dirty="0"/>
+          </a:p>
+        </p:txBody>
+      </p:sp>
+      <p:sp>
+        <p:nvSpPr>
+          <p:cNvPr id="3" name="Content Placeholder 2"/>
+          <p:cNvSpPr>
+            <a:spLocks noGrp="1"/>
+          </p:cNvSpPr>
+          <p:nvPr>
+            <p:ph idx="1"/>
+          </p:nvPr>
+        </p:nvSpPr>
+        <p:spPr/>
+        <p:txBody>
+          <a:bodyPr>
+            <a:normAutofit lnSpcReduction="10000"/>
+          </a:bodyPr>
+          <a:lstStyle/>
+          <a:p>
+            <a:r>
+              <a:rPr lang="en-CA" dirty="0" smtClean="0"/>
+              <a:t>Exam Review: 9:00 -11:16</a:t>
+            </a:r>
+          </a:p>
+          <a:p>
+            <a:pPr lvl="1"/>
+            <a:r>
+              <a:rPr lang="en-CA" dirty="0" smtClean="0"/>
+              <a:t>Visit your Semester 1 Teachers </a:t>
+            </a:r>
+          </a:p>
+          <a:p>
+            <a:pPr lvl="1"/>
+            <a:endParaRPr lang="en-CA" dirty="0"/>
+          </a:p>
+          <a:p>
+            <a:r>
+              <a:rPr lang="en-CA" dirty="0" smtClean="0"/>
+              <a:t>Lunch:	11:16 – 12:34</a:t>
+            </a:r>
+          </a:p>
+          <a:p>
+            <a:r>
+              <a:rPr lang="en-CA" dirty="0" smtClean="0"/>
+              <a:t>Period 1:	12:37 – 1:13</a:t>
+            </a:r>
+          </a:p>
+          <a:p>
+            <a:r>
+              <a:rPr lang="en-CA" dirty="0"/>
+              <a:t>Period </a:t>
+            </a:r>
+            <a:r>
+              <a:rPr lang="en-CA" dirty="0" smtClean="0"/>
+              <a:t>2:	1:16 – 1:52</a:t>
+            </a:r>
+          </a:p>
+          <a:p>
+            <a:r>
+              <a:rPr lang="en-CA" dirty="0"/>
+              <a:t>Period </a:t>
+            </a:r>
+            <a:r>
+              <a:rPr lang="en-CA" dirty="0" smtClean="0"/>
+              <a:t>3:	1:55 – 2:31</a:t>
+            </a:r>
+          </a:p>
+          <a:p>
+            <a:r>
+              <a:rPr lang="en-CA" dirty="0"/>
+              <a:t>Period </a:t>
+            </a:r>
+            <a:r>
+              <a:rPr lang="en-CA" dirty="0" smtClean="0"/>
+              <a:t>4:	2:34 – 3:10</a:t>
+            </a:r>
+            <a:endParaRPr lang="en-US" dirty="0"/>
+          </a:p>
+        </p:txBody>
+      </p:sp>
+    </p:spTree>
+    <p:extLst>
+      <p:ext uri="{BB962C8B-B14F-4D97-AF65-F5344CB8AC3E}">
+        <p14:creationId xmlns:p14="http://schemas.microsoft.com/office/powerpoint/2010/main" val="2669160903"/>
+      </p:ext>
+    </p:extLst>
+  </p:cSld>
+  <p:clrMapOvr>
+    <a:masterClrMapping/>
+  </p:clrMapOvr>
 </p:sld>
 </file>
 
